--- a/Templates/Template-2.pptx
+++ b/Templates/Template-2.pptx
@@ -111,7 +111,7 @@
 
 <file path=ppt/slideLayouts/slideLayout1.xml><?xml version="1.0" encoding="utf-8"?>
 <p:sldLayout xmlns:a="http://schemas.openxmlformats.org/drawingml/2006/main" xmlns:r="http://schemas.openxmlformats.org/officeDocument/2006/relationships" xmlns:p="http://schemas.openxmlformats.org/presentationml/2006/main" preserve="1" userDrawn="1">
-  <p:cSld name="SOV">
+  <p:cSld name="Chart Layout 1">
     <p:spTree>
       <p:nvGrpSpPr>
         <p:cNvPr id="1" name=""/>
@@ -260,8 +260,8 @@
         </p:nvSpPr>
         <p:spPr>
           <a:xfrm>
-            <a:off x="838200" y="1914525"/>
-            <a:ext cx="4271962" cy="4217987"/>
+            <a:off x="838201" y="5032150"/>
+            <a:ext cx="10515599" cy="1052962"/>
           </a:xfrm>
         </p:spPr>
         <p:txBody>
@@ -270,38 +270,38 @@
           <a:p>
             <a:pPr lvl="0"/>
             <a:r>
-              <a:rPr lang="en-US"/>
+              <a:rPr lang="en-US" dirty="0"/>
               <a:t>Click to edit Master text styles</a:t>
             </a:r>
           </a:p>
           <a:p>
             <a:pPr lvl="1"/>
             <a:r>
-              <a:rPr lang="en-US"/>
+              <a:rPr lang="en-US" dirty="0"/>
               <a:t>Second level</a:t>
             </a:r>
           </a:p>
           <a:p>
             <a:pPr lvl="2"/>
             <a:r>
-              <a:rPr lang="en-US"/>
+              <a:rPr lang="en-US" dirty="0"/>
               <a:t>Third level</a:t>
             </a:r>
           </a:p>
           <a:p>
             <a:pPr lvl="3"/>
             <a:r>
-              <a:rPr lang="en-US"/>
+              <a:rPr lang="en-US" dirty="0"/>
               <a:t>Fourth level</a:t>
             </a:r>
           </a:p>
           <a:p>
             <a:pPr lvl="4"/>
             <a:r>
-              <a:rPr lang="en-US"/>
+              <a:rPr lang="en-US" dirty="0"/>
               <a:t>Fifth level</a:t>
             </a:r>
-            <a:endParaRPr lang="en-PH"/>
+            <a:endParaRPr lang="en-PH" dirty="0"/>
           </a:p>
         </p:txBody>
       </p:sp>
@@ -323,8 +323,8 @@
         </p:nvSpPr>
         <p:spPr>
           <a:xfrm>
-            <a:off x="5248275" y="1914525"/>
-            <a:ext cx="6105525" cy="4217987"/>
+            <a:off x="838200" y="1846053"/>
+            <a:ext cx="10515600" cy="2914859"/>
           </a:xfrm>
           <a:solidFill>
             <a:schemeClr val="bg1"/>
@@ -353,7 +353,7 @@
 
 <file path=ppt/slideLayouts/slideLayout2.xml><?xml version="1.0" encoding="utf-8"?>
 <p:sldLayout xmlns:a="http://schemas.openxmlformats.org/drawingml/2006/main" xmlns:r="http://schemas.openxmlformats.org/officeDocument/2006/relationships" xmlns:p="http://schemas.openxmlformats.org/presentationml/2006/main" preserve="1" userDrawn="1">
-  <p:cSld name="SOV2">
+  <p:cSld name="Chart Layout 2">
     <p:spTree>
       <p:nvGrpSpPr>
         <p:cNvPr id="1" name=""/>
@@ -595,7 +595,7 @@
 
 <file path=ppt/slideLayouts/slideLayout3.xml><?xml version="1.0" encoding="utf-8"?>
 <p:sldLayout xmlns:a="http://schemas.openxmlformats.org/drawingml/2006/main" xmlns:r="http://schemas.openxmlformats.org/officeDocument/2006/relationships" xmlns:p="http://schemas.openxmlformats.org/presentationml/2006/main" preserve="1" userDrawn="1">
-  <p:cSld name="SOV3">
+  <p:cSld name="Chart Layout 3">
     <p:spTree>
       <p:nvGrpSpPr>
         <p:cNvPr id="1" name=""/>
